--- a/靠著耶穌得勝(國語版).pptx
+++ b/靠著耶穌得勝(國語版).pptx
@@ -300,7 +300,7 @@
           <a:p>
             <a:fld id="{2FC486DF-E8D9-4B51-9564-FAF0EB9E1001}" type="datetimeFigureOut">
               <a:rPr lang="vi-VN" smtClean="0"/>
-              <a:t>27/03/2021</a:t>
+              <a:t>07/01/2022</a:t>
             </a:fld>
             <a:endParaRPr lang="vi-VN"/>
           </a:p>
@@ -470,7 +470,7 @@
           <a:p>
             <a:fld id="{2FC486DF-E8D9-4B51-9564-FAF0EB9E1001}" type="datetimeFigureOut">
               <a:rPr lang="vi-VN" smtClean="0"/>
-              <a:t>27/03/2021</a:t>
+              <a:t>07/01/2022</a:t>
             </a:fld>
             <a:endParaRPr lang="vi-VN"/>
           </a:p>
@@ -650,7 +650,7 @@
           <a:p>
             <a:fld id="{2FC486DF-E8D9-4B51-9564-FAF0EB9E1001}" type="datetimeFigureOut">
               <a:rPr lang="vi-VN" smtClean="0"/>
-              <a:t>27/03/2021</a:t>
+              <a:t>07/01/2022</a:t>
             </a:fld>
             <a:endParaRPr lang="vi-VN"/>
           </a:p>
@@ -820,7 +820,7 @@
           <a:p>
             <a:fld id="{2FC486DF-E8D9-4B51-9564-FAF0EB9E1001}" type="datetimeFigureOut">
               <a:rPr lang="vi-VN" smtClean="0"/>
-              <a:t>27/03/2021</a:t>
+              <a:t>07/01/2022</a:t>
             </a:fld>
             <a:endParaRPr lang="vi-VN"/>
           </a:p>
@@ -1066,7 +1066,7 @@
           <a:p>
             <a:fld id="{2FC486DF-E8D9-4B51-9564-FAF0EB9E1001}" type="datetimeFigureOut">
               <a:rPr lang="vi-VN" smtClean="0"/>
-              <a:t>27/03/2021</a:t>
+              <a:t>07/01/2022</a:t>
             </a:fld>
             <a:endParaRPr lang="vi-VN"/>
           </a:p>
@@ -1354,7 +1354,7 @@
           <a:p>
             <a:fld id="{2FC486DF-E8D9-4B51-9564-FAF0EB9E1001}" type="datetimeFigureOut">
               <a:rPr lang="vi-VN" smtClean="0"/>
-              <a:t>27/03/2021</a:t>
+              <a:t>07/01/2022</a:t>
             </a:fld>
             <a:endParaRPr lang="vi-VN"/>
           </a:p>
@@ -1776,7 +1776,7 @@
           <a:p>
             <a:fld id="{2FC486DF-E8D9-4B51-9564-FAF0EB9E1001}" type="datetimeFigureOut">
               <a:rPr lang="vi-VN" smtClean="0"/>
-              <a:t>27/03/2021</a:t>
+              <a:t>07/01/2022</a:t>
             </a:fld>
             <a:endParaRPr lang="vi-VN"/>
           </a:p>
@@ -1894,7 +1894,7 @@
           <a:p>
             <a:fld id="{2FC486DF-E8D9-4B51-9564-FAF0EB9E1001}" type="datetimeFigureOut">
               <a:rPr lang="vi-VN" smtClean="0"/>
-              <a:t>27/03/2021</a:t>
+              <a:t>07/01/2022</a:t>
             </a:fld>
             <a:endParaRPr lang="vi-VN"/>
           </a:p>
@@ -1989,7 +1989,7 @@
           <a:p>
             <a:fld id="{2FC486DF-E8D9-4B51-9564-FAF0EB9E1001}" type="datetimeFigureOut">
               <a:rPr lang="vi-VN" smtClean="0"/>
-              <a:t>27/03/2021</a:t>
+              <a:t>07/01/2022</a:t>
             </a:fld>
             <a:endParaRPr lang="vi-VN"/>
           </a:p>
@@ -2266,7 +2266,7 @@
           <a:p>
             <a:fld id="{2FC486DF-E8D9-4B51-9564-FAF0EB9E1001}" type="datetimeFigureOut">
               <a:rPr lang="vi-VN" smtClean="0"/>
-              <a:t>27/03/2021</a:t>
+              <a:t>07/01/2022</a:t>
             </a:fld>
             <a:endParaRPr lang="vi-VN"/>
           </a:p>
@@ -2523,7 +2523,7 @@
           <a:p>
             <a:fld id="{2FC486DF-E8D9-4B51-9564-FAF0EB9E1001}" type="datetimeFigureOut">
               <a:rPr lang="vi-VN" smtClean="0"/>
-              <a:t>27/03/2021</a:t>
+              <a:t>07/01/2022</a:t>
             </a:fld>
             <a:endParaRPr lang="vi-VN"/>
           </a:p>
@@ -2741,7 +2741,7 @@
           <a:p>
             <a:fld id="{2FC486DF-E8D9-4B51-9564-FAF0EB9E1001}" type="datetimeFigureOut">
               <a:rPr lang="vi-VN" smtClean="0"/>
-              <a:t>27/03/2021</a:t>
+              <a:t>07/01/2022</a:t>
             </a:fld>
             <a:endParaRPr lang="vi-VN"/>
           </a:p>
@@ -3153,24 +3153,7 @@
                 <a:latin typeface="微軟正黑體" pitchFamily="34" charset="-120"/>
                 <a:ea typeface="微軟正黑體" pitchFamily="34" charset="-120"/>
               </a:rPr>
-              <a:t>靠</a:t>
-            </a:r>
-            <a:r>
-              <a:rPr lang="zh-TW" altLang="en-US" sz="7200" b="1" i="1" dirty="0">
-                <a:solidFill>
-                  <a:srgbClr val="660033"/>
-                </a:solidFill>
-                <a:effectLst>
-                  <a:outerShdw blurRad="38100" dist="38100" dir="2700000" algn="tl">
-                    <a:srgbClr val="000000">
-                      <a:alpha val="43137"/>
-                    </a:srgbClr>
-                  </a:outerShdw>
-                </a:effectLst>
-                <a:latin typeface="微軟正黑體" pitchFamily="34" charset="-120"/>
-                <a:ea typeface="微軟正黑體" pitchFamily="34" charset="-120"/>
-              </a:rPr>
-              <a:t>著耶穌得勝</a:t>
+              <a:t>靠著耶穌得勝</a:t>
             </a:r>
           </a:p>
         </p:txBody>
@@ -3258,27 +3241,7 @@
                 <a:latin typeface="微軟正黑體" pitchFamily="34" charset="-120"/>
                 <a:ea typeface="微軟正黑體" pitchFamily="34" charset="-120"/>
               </a:rPr>
-              <a:t>愛</a:t>
-            </a:r>
-            <a:r>
-              <a:rPr lang="zh-TW" altLang="en-US" sz="6400" b="1" dirty="0">
-                <a:solidFill>
-                  <a:srgbClr val="660033"/>
-                </a:solidFill>
-                <a:latin typeface="微軟正黑體" pitchFamily="34" charset="-120"/>
-                <a:ea typeface="微軟正黑體" pitchFamily="34" charset="-120"/>
-              </a:rPr>
-              <a:t>裡我要宣</a:t>
-            </a:r>
-            <a:r>
-              <a:rPr lang="zh-TW" altLang="en-US" sz="6400" b="1" dirty="0">
-                <a:solidFill>
-                  <a:srgbClr val="660033"/>
-                </a:solidFill>
-                <a:latin typeface="微軟正黑體" pitchFamily="34" charset="-120"/>
-                <a:ea typeface="微軟正黑體" pitchFamily="34" charset="-120"/>
-              </a:rPr>
-              <a:t>告</a:t>
+              <a:t>愛裡我要宣告</a:t>
             </a:r>
             <a:endParaRPr lang="en-US" altLang="zh-TW" sz="6400" b="1" dirty="0">
               <a:solidFill>
@@ -3300,17 +3263,7 @@
                 <a:latin typeface="微軟正黑體" pitchFamily="34" charset="-120"/>
                 <a:ea typeface="微軟正黑體" pitchFamily="34" charset="-120"/>
               </a:rPr>
-              <a:t>我</a:t>
-            </a:r>
-            <a:r>
-              <a:rPr lang="zh-TW" altLang="en-US" sz="6400" b="1" dirty="0">
-                <a:solidFill>
-                  <a:srgbClr val="660033"/>
-                </a:solidFill>
-                <a:latin typeface="微軟正黑體" pitchFamily="34" charset="-120"/>
-                <a:ea typeface="微軟正黑體" pitchFamily="34" charset="-120"/>
-              </a:rPr>
-              <a:t>軟弱得改變</a:t>
+              <a:t>我軟弱得改變</a:t>
             </a:r>
             <a:endParaRPr lang="en-US" altLang="zh-TW" sz="6400" b="1" dirty="0">
               <a:solidFill>
@@ -3318,6 +3271,73 @@
               </a:solidFill>
               <a:latin typeface="微軟正黑體" pitchFamily="34" charset="-120"/>
               <a:ea typeface="微軟正黑體" pitchFamily="34" charset="-120"/>
+            </a:endParaRPr>
+          </a:p>
+        </p:txBody>
+      </p:sp>
+      <p:sp>
+        <p:nvSpPr>
+          <p:cNvPr id="3" name="TextBox 2"/>
+          <p:cNvSpPr txBox="1"/>
+          <p:nvPr/>
+        </p:nvSpPr>
+        <p:spPr>
+          <a:xfrm>
+            <a:off x="0" y="5170185"/>
+            <a:ext cx="12192000" cy="830997"/>
+          </a:xfrm>
+          <a:prstGeom prst="rect">
+            <a:avLst/>
+          </a:prstGeom>
+          <a:noFill/>
+        </p:spPr>
+        <p:txBody>
+          <a:bodyPr wrap="square" rtlCol="0">
+            <a:spAutoFit/>
+          </a:bodyPr>
+          <a:lstStyle/>
+          <a:p>
+            <a:pPr algn="ctr"/>
+            <a:r>
+              <a:rPr lang="en-US" altLang="zh-TW" sz="4800" b="1" dirty="0">
+                <a:solidFill>
+                  <a:srgbClr val="660033"/>
+                </a:solidFill>
+                <a:effectLst/>
+                <a:latin typeface="Microsoft JhengHei" panose="020B0604030504040204" pitchFamily="34" charset="-120"/>
+                <a:ea typeface="Microsoft JhengHei" panose="020B0604030504040204" pitchFamily="34" charset="-120"/>
+              </a:rPr>
+              <a:t>( </a:t>
+            </a:r>
+            <a:r>
+              <a:rPr lang="zh-CN" altLang="en-US" sz="4800" b="1" dirty="0">
+                <a:solidFill>
+                  <a:srgbClr val="660033"/>
+                </a:solidFill>
+                <a:effectLst/>
+                <a:latin typeface="Microsoft JhengHei" panose="020B0604030504040204" pitchFamily="34" charset="-120"/>
+                <a:ea typeface="Microsoft JhengHei" panose="020B0604030504040204" pitchFamily="34" charset="-120"/>
+              </a:rPr>
+              <a:t>正 </a:t>
+            </a:r>
+            <a:r>
+              <a:rPr lang="en-US" altLang="zh-TW" sz="4800" b="1" dirty="0">
+                <a:solidFill>
+                  <a:srgbClr val="660033"/>
+                </a:solidFill>
+                <a:effectLst/>
+                <a:latin typeface="Microsoft JhengHei" panose="020B0604030504040204" pitchFamily="34" charset="-120"/>
+                <a:ea typeface="Microsoft JhengHei" panose="020B0604030504040204" pitchFamily="34" charset="-120"/>
+              </a:rPr>
+              <a:t>)</a:t>
+            </a:r>
+            <a:endParaRPr lang="vi-VN" sz="4800" b="1" dirty="0">
+              <a:solidFill>
+                <a:srgbClr val="660033"/>
+              </a:solidFill>
+              <a:effectLst/>
+              <a:latin typeface="Microsoft JhengHei" panose="020B0604030504040204" pitchFamily="34" charset="-120"/>
+              <a:ea typeface="Microsoft JhengHei" panose="020B0604030504040204" pitchFamily="34" charset="-120"/>
             </a:endParaRPr>
           </a:p>
         </p:txBody>
@@ -3405,27 +3425,7 @@
                 <a:latin typeface="微軟正黑體" pitchFamily="34" charset="-120"/>
                 <a:ea typeface="微軟正黑體" pitchFamily="34" charset="-120"/>
               </a:rPr>
-              <a:t>愛</a:t>
-            </a:r>
-            <a:r>
-              <a:rPr lang="zh-TW" altLang="en-US" sz="6400" b="1" dirty="0">
-                <a:solidFill>
-                  <a:srgbClr val="660033"/>
-                </a:solidFill>
-                <a:latin typeface="微軟正黑體" pitchFamily="34" charset="-120"/>
-                <a:ea typeface="微軟正黑體" pitchFamily="34" charset="-120"/>
-              </a:rPr>
-              <a:t>裡我要宣</a:t>
-            </a:r>
-            <a:r>
-              <a:rPr lang="zh-TW" altLang="en-US" sz="6400" b="1" dirty="0">
-                <a:solidFill>
-                  <a:srgbClr val="660033"/>
-                </a:solidFill>
-                <a:latin typeface="微軟正黑體" pitchFamily="34" charset="-120"/>
-                <a:ea typeface="微軟正黑體" pitchFamily="34" charset="-120"/>
-              </a:rPr>
-              <a:t>告</a:t>
+              <a:t>愛裡我要宣告</a:t>
             </a:r>
             <a:endParaRPr lang="en-US" altLang="zh-TW" sz="6400" b="1" dirty="0">
               <a:solidFill>
@@ -3457,17 +3457,7 @@
                 <a:latin typeface="微軟正黑體" pitchFamily="34" charset="-120"/>
                 <a:ea typeface="微軟正黑體" pitchFamily="34" charset="-120"/>
               </a:rPr>
-              <a:t>是</a:t>
-            </a:r>
-            <a:r>
-              <a:rPr lang="zh-TW" altLang="en-US" sz="6400" b="1" dirty="0">
-                <a:solidFill>
-                  <a:srgbClr val="660033"/>
-                </a:solidFill>
-                <a:latin typeface="微軟正黑體" pitchFamily="34" charset="-120"/>
-                <a:ea typeface="微軟正黑體" pitchFamily="34" charset="-120"/>
-              </a:rPr>
-              <a:t>王</a:t>
+              <a:t>是王</a:t>
             </a:r>
             <a:endParaRPr lang="en-US" altLang="zh-TW" sz="6400" b="1" dirty="0">
               <a:solidFill>
@@ -3475,6 +3465,73 @@
               </a:solidFill>
               <a:latin typeface="微軟正黑體" pitchFamily="34" charset="-120"/>
               <a:ea typeface="微軟正黑體" pitchFamily="34" charset="-120"/>
+            </a:endParaRPr>
+          </a:p>
+        </p:txBody>
+      </p:sp>
+      <p:sp>
+        <p:nvSpPr>
+          <p:cNvPr id="3" name="TextBox 2"/>
+          <p:cNvSpPr txBox="1"/>
+          <p:nvPr/>
+        </p:nvSpPr>
+        <p:spPr>
+          <a:xfrm>
+            <a:off x="0" y="5170185"/>
+            <a:ext cx="12192000" cy="830997"/>
+          </a:xfrm>
+          <a:prstGeom prst="rect">
+            <a:avLst/>
+          </a:prstGeom>
+          <a:noFill/>
+        </p:spPr>
+        <p:txBody>
+          <a:bodyPr wrap="square" rtlCol="0">
+            <a:spAutoFit/>
+          </a:bodyPr>
+          <a:lstStyle/>
+          <a:p>
+            <a:pPr algn="ctr"/>
+            <a:r>
+              <a:rPr lang="en-US" altLang="zh-TW" sz="4800" b="1" dirty="0">
+                <a:solidFill>
+                  <a:srgbClr val="660033"/>
+                </a:solidFill>
+                <a:effectLst/>
+                <a:latin typeface="Microsoft JhengHei" panose="020B0604030504040204" pitchFamily="34" charset="-120"/>
+                <a:ea typeface="Microsoft JhengHei" panose="020B0604030504040204" pitchFamily="34" charset="-120"/>
+              </a:rPr>
+              <a:t>( </a:t>
+            </a:r>
+            <a:r>
+              <a:rPr lang="zh-CN" altLang="en-US" sz="4800" b="1" dirty="0">
+                <a:solidFill>
+                  <a:srgbClr val="660033"/>
+                </a:solidFill>
+                <a:effectLst/>
+                <a:latin typeface="Microsoft JhengHei" panose="020B0604030504040204" pitchFamily="34" charset="-120"/>
+                <a:ea typeface="Microsoft JhengHei" panose="020B0604030504040204" pitchFamily="34" charset="-120"/>
+              </a:rPr>
+              <a:t>正 </a:t>
+            </a:r>
+            <a:r>
+              <a:rPr lang="en-US" altLang="zh-TW" sz="4800" b="1" dirty="0">
+                <a:solidFill>
+                  <a:srgbClr val="660033"/>
+                </a:solidFill>
+                <a:effectLst/>
+                <a:latin typeface="Microsoft JhengHei" panose="020B0604030504040204" pitchFamily="34" charset="-120"/>
+                <a:ea typeface="Microsoft JhengHei" panose="020B0604030504040204" pitchFamily="34" charset="-120"/>
+              </a:rPr>
+              <a:t>)</a:t>
+            </a:r>
+            <a:endParaRPr lang="vi-VN" sz="4800" b="1" dirty="0">
+              <a:solidFill>
+                <a:srgbClr val="660033"/>
+              </a:solidFill>
+              <a:effectLst/>
+              <a:latin typeface="Microsoft JhengHei" panose="020B0604030504040204" pitchFamily="34" charset="-120"/>
+              <a:ea typeface="Microsoft JhengHei" panose="020B0604030504040204" pitchFamily="34" charset="-120"/>
             </a:endParaRPr>
           </a:p>
         </p:txBody>
@@ -3562,27 +3619,7 @@
                 <a:latin typeface="微軟正黑體" pitchFamily="34" charset="-120"/>
                 <a:ea typeface="微軟正黑體" pitchFamily="34" charset="-120"/>
               </a:rPr>
-              <a:t>愛</a:t>
-            </a:r>
-            <a:r>
-              <a:rPr lang="zh-TW" altLang="en-US" sz="6400" b="1" dirty="0">
-                <a:solidFill>
-                  <a:srgbClr val="660033"/>
-                </a:solidFill>
-                <a:latin typeface="微軟正黑體" pitchFamily="34" charset="-120"/>
-                <a:ea typeface="微軟正黑體" pitchFamily="34" charset="-120"/>
-              </a:rPr>
-              <a:t>裡我要宣</a:t>
-            </a:r>
-            <a:r>
-              <a:rPr lang="zh-TW" altLang="en-US" sz="6400" b="1" dirty="0">
-                <a:solidFill>
-                  <a:srgbClr val="660033"/>
-                </a:solidFill>
-                <a:latin typeface="微軟正黑體" pitchFamily="34" charset="-120"/>
-                <a:ea typeface="微軟正黑體" pitchFamily="34" charset="-120"/>
-              </a:rPr>
-              <a:t>告</a:t>
+              <a:t>愛裡我要宣告</a:t>
             </a:r>
             <a:endParaRPr lang="en-US" altLang="zh-TW" sz="6400" b="1" dirty="0">
               <a:solidFill>
@@ -3612,6 +3649,73 @@
               </a:solidFill>
               <a:latin typeface="微軟正黑體" pitchFamily="34" charset="-120"/>
               <a:ea typeface="微軟正黑體" pitchFamily="34" charset="-120"/>
+            </a:endParaRPr>
+          </a:p>
+        </p:txBody>
+      </p:sp>
+      <p:sp>
+        <p:nvSpPr>
+          <p:cNvPr id="3" name="TextBox 2"/>
+          <p:cNvSpPr txBox="1"/>
+          <p:nvPr/>
+        </p:nvSpPr>
+        <p:spPr>
+          <a:xfrm>
+            <a:off x="0" y="5170185"/>
+            <a:ext cx="12192000" cy="830997"/>
+          </a:xfrm>
+          <a:prstGeom prst="rect">
+            <a:avLst/>
+          </a:prstGeom>
+          <a:noFill/>
+        </p:spPr>
+        <p:txBody>
+          <a:bodyPr wrap="square" rtlCol="0">
+            <a:spAutoFit/>
+          </a:bodyPr>
+          <a:lstStyle/>
+          <a:p>
+            <a:pPr algn="ctr"/>
+            <a:r>
+              <a:rPr lang="en-US" altLang="zh-TW" sz="4800" b="1" dirty="0">
+                <a:solidFill>
+                  <a:srgbClr val="660033"/>
+                </a:solidFill>
+                <a:effectLst/>
+                <a:latin typeface="Microsoft JhengHei" panose="020B0604030504040204" pitchFamily="34" charset="-120"/>
+                <a:ea typeface="Microsoft JhengHei" panose="020B0604030504040204" pitchFamily="34" charset="-120"/>
+              </a:rPr>
+              <a:t>( </a:t>
+            </a:r>
+            <a:r>
+              <a:rPr lang="zh-CN" altLang="en-US" sz="4800" b="1" dirty="0">
+                <a:solidFill>
+                  <a:srgbClr val="660033"/>
+                </a:solidFill>
+                <a:effectLst/>
+                <a:latin typeface="Microsoft JhengHei" panose="020B0604030504040204" pitchFamily="34" charset="-120"/>
+                <a:ea typeface="Microsoft JhengHei" panose="020B0604030504040204" pitchFamily="34" charset="-120"/>
+              </a:rPr>
+              <a:t>正 </a:t>
+            </a:r>
+            <a:r>
+              <a:rPr lang="en-US" altLang="zh-TW" sz="4800" b="1" dirty="0">
+                <a:solidFill>
+                  <a:srgbClr val="660033"/>
+                </a:solidFill>
+                <a:effectLst/>
+                <a:latin typeface="Microsoft JhengHei" panose="020B0604030504040204" pitchFamily="34" charset="-120"/>
+                <a:ea typeface="Microsoft JhengHei" panose="020B0604030504040204" pitchFamily="34" charset="-120"/>
+              </a:rPr>
+              <a:t>)</a:t>
+            </a:r>
+            <a:endParaRPr lang="vi-VN" sz="4800" b="1" dirty="0">
+              <a:solidFill>
+                <a:srgbClr val="660033"/>
+              </a:solidFill>
+              <a:effectLst/>
+              <a:latin typeface="Microsoft JhengHei" panose="020B0604030504040204" pitchFamily="34" charset="-120"/>
+              <a:ea typeface="Microsoft JhengHei" panose="020B0604030504040204" pitchFamily="34" charset="-120"/>
             </a:endParaRPr>
           </a:p>
         </p:txBody>
@@ -3699,17 +3803,7 @@
                 <a:latin typeface="微軟正黑體" pitchFamily="34" charset="-120"/>
                 <a:ea typeface="微軟正黑體" pitchFamily="34" charset="-120"/>
               </a:rPr>
-              <a:t>帶</a:t>
-            </a:r>
-            <a:r>
-              <a:rPr lang="zh-TW" altLang="en-US" sz="6400" b="1" dirty="0">
-                <a:solidFill>
-                  <a:srgbClr val="660033"/>
-                </a:solidFill>
-                <a:latin typeface="微軟正黑體" pitchFamily="34" charset="-120"/>
-                <a:ea typeface="微軟正黑體" pitchFamily="34" charset="-120"/>
-              </a:rPr>
-              <a:t>領著我得勝</a:t>
+              <a:t>帶領著我得勝</a:t>
             </a:r>
             <a:endParaRPr lang="en-US" altLang="zh-TW" sz="6400" b="1" dirty="0">
               <a:solidFill>
@@ -3717,6 +3811,73 @@
               </a:solidFill>
               <a:latin typeface="微軟正黑體" pitchFamily="34" charset="-120"/>
               <a:ea typeface="微軟正黑體" pitchFamily="34" charset="-120"/>
+            </a:endParaRPr>
+          </a:p>
+        </p:txBody>
+      </p:sp>
+      <p:sp>
+        <p:nvSpPr>
+          <p:cNvPr id="3" name="TextBox 2"/>
+          <p:cNvSpPr txBox="1"/>
+          <p:nvPr/>
+        </p:nvSpPr>
+        <p:spPr>
+          <a:xfrm>
+            <a:off x="0" y="5170185"/>
+            <a:ext cx="12192000" cy="830997"/>
+          </a:xfrm>
+          <a:prstGeom prst="rect">
+            <a:avLst/>
+          </a:prstGeom>
+          <a:noFill/>
+        </p:spPr>
+        <p:txBody>
+          <a:bodyPr wrap="square" rtlCol="0">
+            <a:spAutoFit/>
+          </a:bodyPr>
+          <a:lstStyle/>
+          <a:p>
+            <a:pPr algn="ctr"/>
+            <a:r>
+              <a:rPr lang="en-US" altLang="zh-TW" sz="4800" b="1" dirty="0">
+                <a:solidFill>
+                  <a:srgbClr val="660033"/>
+                </a:solidFill>
+                <a:effectLst/>
+                <a:latin typeface="Microsoft JhengHei" panose="020B0604030504040204" pitchFamily="34" charset="-120"/>
+                <a:ea typeface="Microsoft JhengHei" panose="020B0604030504040204" pitchFamily="34" charset="-120"/>
+              </a:rPr>
+              <a:t>( </a:t>
+            </a:r>
+            <a:r>
+              <a:rPr lang="zh-CN" altLang="en-US" sz="4800" b="1" dirty="0">
+                <a:solidFill>
+                  <a:srgbClr val="660033"/>
+                </a:solidFill>
+                <a:effectLst/>
+                <a:latin typeface="Microsoft JhengHei" panose="020B0604030504040204" pitchFamily="34" charset="-120"/>
+                <a:ea typeface="Microsoft JhengHei" panose="020B0604030504040204" pitchFamily="34" charset="-120"/>
+              </a:rPr>
+              <a:t>正 </a:t>
+            </a:r>
+            <a:r>
+              <a:rPr lang="en-US" altLang="zh-TW" sz="4800" b="1" dirty="0">
+                <a:solidFill>
+                  <a:srgbClr val="660033"/>
+                </a:solidFill>
+                <a:effectLst/>
+                <a:latin typeface="Microsoft JhengHei" panose="020B0604030504040204" pitchFamily="34" charset="-120"/>
+                <a:ea typeface="Microsoft JhengHei" panose="020B0604030504040204" pitchFamily="34" charset="-120"/>
+              </a:rPr>
+              <a:t>)</a:t>
+            </a:r>
+            <a:endParaRPr lang="vi-VN" sz="4800" b="1" dirty="0">
+              <a:solidFill>
+                <a:srgbClr val="660033"/>
+              </a:solidFill>
+              <a:effectLst/>
+              <a:latin typeface="Microsoft JhengHei" panose="020B0604030504040204" pitchFamily="34" charset="-120"/>
+              <a:ea typeface="Microsoft JhengHei" panose="020B0604030504040204" pitchFamily="34" charset="-120"/>
             </a:endParaRPr>
           </a:p>
         </p:txBody>
@@ -3784,37 +3945,7 @@
                 <a:latin typeface="微軟正黑體" pitchFamily="34" charset="-120"/>
                 <a:ea typeface="微軟正黑體" pitchFamily="34" charset="-120"/>
               </a:rPr>
-              <a:t>靠著耶穌得</a:t>
-            </a:r>
-            <a:r>
-              <a:rPr lang="zh-TW" altLang="en-US" sz="6400" b="1" dirty="0">
-                <a:solidFill>
-                  <a:srgbClr val="660033"/>
-                </a:solidFill>
-                <a:latin typeface="微軟正黑體" pitchFamily="34" charset="-120"/>
-                <a:ea typeface="微軟正黑體" pitchFamily="34" charset="-120"/>
-              </a:rPr>
-              <a:t>勝  靠</a:t>
-            </a:r>
-            <a:r>
-              <a:rPr lang="zh-TW" altLang="en-US" sz="6400" b="1" dirty="0">
-                <a:solidFill>
-                  <a:srgbClr val="660033"/>
-                </a:solidFill>
-                <a:latin typeface="微軟正黑體" pitchFamily="34" charset="-120"/>
-                <a:ea typeface="微軟正黑體" pitchFamily="34" charset="-120"/>
-              </a:rPr>
-              <a:t>著耶穌得</a:t>
-            </a:r>
-            <a:r>
-              <a:rPr lang="zh-TW" altLang="en-US" sz="6400" b="1" dirty="0">
-                <a:solidFill>
-                  <a:srgbClr val="660033"/>
-                </a:solidFill>
-                <a:latin typeface="微軟正黑體" pitchFamily="34" charset="-120"/>
-                <a:ea typeface="微軟正黑體" pitchFamily="34" charset="-120"/>
-              </a:rPr>
-              <a:t>勝</a:t>
+              <a:t>靠著耶穌得勝  靠著耶穌得勝</a:t>
             </a:r>
             <a:endParaRPr lang="en-US" altLang="zh-TW" sz="6400" b="1" dirty="0">
               <a:solidFill>
@@ -3836,17 +3967,7 @@
                 <a:latin typeface="微軟正黑體" pitchFamily="34" charset="-120"/>
                 <a:ea typeface="微軟正黑體" pitchFamily="34" charset="-120"/>
               </a:rPr>
-              <a:t>終</a:t>
-            </a:r>
-            <a:r>
-              <a:rPr lang="zh-TW" altLang="en-US" sz="6400" b="1" dirty="0">
-                <a:solidFill>
-                  <a:srgbClr val="660033"/>
-                </a:solidFill>
-                <a:latin typeface="微軟正黑體" pitchFamily="34" charset="-120"/>
-                <a:ea typeface="微軟正黑體" pitchFamily="34" charset="-120"/>
-              </a:rPr>
-              <a:t>此生要靠著主愛去得勝</a:t>
+              <a:t>終此生要靠著主愛去得勝</a:t>
             </a:r>
             <a:endParaRPr lang="en-US" altLang="zh-TW" sz="6400" b="1" dirty="0">
               <a:solidFill>
@@ -3854,6 +3975,73 @@
               </a:solidFill>
               <a:latin typeface="微軟正黑體" pitchFamily="34" charset="-120"/>
               <a:ea typeface="微軟正黑體" pitchFamily="34" charset="-120"/>
+            </a:endParaRPr>
+          </a:p>
+        </p:txBody>
+      </p:sp>
+      <p:sp>
+        <p:nvSpPr>
+          <p:cNvPr id="3" name="TextBox 2"/>
+          <p:cNvSpPr txBox="1"/>
+          <p:nvPr/>
+        </p:nvSpPr>
+        <p:spPr>
+          <a:xfrm>
+            <a:off x="0" y="5170185"/>
+            <a:ext cx="12192000" cy="830997"/>
+          </a:xfrm>
+          <a:prstGeom prst="rect">
+            <a:avLst/>
+          </a:prstGeom>
+          <a:noFill/>
+        </p:spPr>
+        <p:txBody>
+          <a:bodyPr wrap="square" rtlCol="0">
+            <a:spAutoFit/>
+          </a:bodyPr>
+          <a:lstStyle/>
+          <a:p>
+            <a:pPr algn="ctr"/>
+            <a:r>
+              <a:rPr lang="en-US" altLang="zh-TW" sz="4800" b="1" dirty="0">
+                <a:solidFill>
+                  <a:srgbClr val="660033"/>
+                </a:solidFill>
+                <a:effectLst/>
+                <a:latin typeface="Microsoft JhengHei" panose="020B0604030504040204" pitchFamily="34" charset="-120"/>
+                <a:ea typeface="Microsoft JhengHei" panose="020B0604030504040204" pitchFamily="34" charset="-120"/>
+              </a:rPr>
+              <a:t>( </a:t>
+            </a:r>
+            <a:r>
+              <a:rPr lang="zh-CN" altLang="en-US" sz="4800" b="1" dirty="0" smtClean="0">
+                <a:solidFill>
+                  <a:srgbClr val="660033"/>
+                </a:solidFill>
+                <a:effectLst/>
+                <a:latin typeface="Microsoft JhengHei" panose="020B0604030504040204" pitchFamily="34" charset="-120"/>
+                <a:ea typeface="Microsoft JhengHei" panose="020B0604030504040204" pitchFamily="34" charset="-120"/>
+              </a:rPr>
+              <a:t>副 </a:t>
+            </a:r>
+            <a:r>
+              <a:rPr lang="en-US" altLang="zh-TW" sz="4800" b="1" dirty="0">
+                <a:solidFill>
+                  <a:srgbClr val="660033"/>
+                </a:solidFill>
+                <a:effectLst/>
+                <a:latin typeface="Microsoft JhengHei" panose="020B0604030504040204" pitchFamily="34" charset="-120"/>
+                <a:ea typeface="Microsoft JhengHei" panose="020B0604030504040204" pitchFamily="34" charset="-120"/>
+              </a:rPr>
+              <a:t>)</a:t>
+            </a:r>
+            <a:endParaRPr lang="vi-VN" sz="4800" b="1" dirty="0">
+              <a:solidFill>
+                <a:srgbClr val="660033"/>
+              </a:solidFill>
+              <a:effectLst/>
+              <a:latin typeface="Microsoft JhengHei" panose="020B0604030504040204" pitchFamily="34" charset="-120"/>
+              <a:ea typeface="Microsoft JhengHei" panose="020B0604030504040204" pitchFamily="34" charset="-120"/>
             </a:endParaRPr>
           </a:p>
         </p:txBody>
@@ -3921,37 +4109,7 @@
                 <a:latin typeface="微軟正黑體" pitchFamily="34" charset="-120"/>
                 <a:ea typeface="微軟正黑體" pitchFamily="34" charset="-120"/>
               </a:rPr>
-              <a:t>靠著耶穌得</a:t>
-            </a:r>
-            <a:r>
-              <a:rPr lang="zh-TW" altLang="en-US" sz="6400" b="1" dirty="0">
-                <a:solidFill>
-                  <a:srgbClr val="660033"/>
-                </a:solidFill>
-                <a:latin typeface="微軟正黑體" pitchFamily="34" charset="-120"/>
-                <a:ea typeface="微軟正黑體" pitchFamily="34" charset="-120"/>
-              </a:rPr>
-              <a:t>勝  靠</a:t>
-            </a:r>
-            <a:r>
-              <a:rPr lang="zh-TW" altLang="en-US" sz="6400" b="1" dirty="0">
-                <a:solidFill>
-                  <a:srgbClr val="660033"/>
-                </a:solidFill>
-                <a:latin typeface="微軟正黑體" pitchFamily="34" charset="-120"/>
-                <a:ea typeface="微軟正黑體" pitchFamily="34" charset="-120"/>
-              </a:rPr>
-              <a:t>著耶穌得</a:t>
-            </a:r>
-            <a:r>
-              <a:rPr lang="zh-TW" altLang="en-US" sz="6400" b="1" dirty="0">
-                <a:solidFill>
-                  <a:srgbClr val="660033"/>
-                </a:solidFill>
-                <a:latin typeface="微軟正黑體" pitchFamily="34" charset="-120"/>
-                <a:ea typeface="微軟正黑體" pitchFamily="34" charset="-120"/>
-              </a:rPr>
-              <a:t>勝</a:t>
+              <a:t>靠著耶穌得勝  靠著耶穌得勝</a:t>
             </a:r>
             <a:endParaRPr lang="en-US" altLang="zh-TW" sz="6400" b="1" dirty="0">
               <a:solidFill>
@@ -3973,37 +4131,7 @@
                 <a:latin typeface="微軟正黑體" pitchFamily="34" charset="-120"/>
                 <a:ea typeface="微軟正黑體" pitchFamily="34" charset="-120"/>
               </a:rPr>
-              <a:t>不</a:t>
-            </a:r>
-            <a:r>
-              <a:rPr lang="zh-TW" altLang="en-US" sz="6400" b="1" dirty="0">
-                <a:solidFill>
-                  <a:srgbClr val="660033"/>
-                </a:solidFill>
-                <a:latin typeface="微軟正黑體" pitchFamily="34" charset="-120"/>
-                <a:ea typeface="微軟正黑體" pitchFamily="34" charset="-120"/>
-              </a:rPr>
-              <a:t>必懼怕挫</a:t>
-            </a:r>
-            <a:r>
-              <a:rPr lang="zh-TW" altLang="en-US" sz="6400" b="1" dirty="0">
-                <a:solidFill>
-                  <a:srgbClr val="660033"/>
-                </a:solidFill>
-                <a:latin typeface="微軟正黑體" pitchFamily="34" charset="-120"/>
-                <a:ea typeface="微軟正黑體" pitchFamily="34" charset="-120"/>
-              </a:rPr>
-              <a:t>敗  深</a:t>
-            </a:r>
-            <a:r>
-              <a:rPr lang="zh-TW" altLang="en-US" sz="6400" b="1" dirty="0">
-                <a:solidFill>
-                  <a:srgbClr val="660033"/>
-                </a:solidFill>
-                <a:latin typeface="微軟正黑體" pitchFamily="34" charset="-120"/>
-                <a:ea typeface="微軟正黑體" pitchFamily="34" charset="-120"/>
-              </a:rPr>
-              <a:t>知主恩更廣闊</a:t>
+              <a:t>不必懼怕挫敗  深知主恩更廣闊</a:t>
             </a:r>
             <a:endParaRPr lang="en-US" altLang="zh-TW" sz="6400" b="1" dirty="0">
               <a:solidFill>
@@ -4011,6 +4139,73 @@
               </a:solidFill>
               <a:latin typeface="微軟正黑體" pitchFamily="34" charset="-120"/>
               <a:ea typeface="微軟正黑體" pitchFamily="34" charset="-120"/>
+            </a:endParaRPr>
+          </a:p>
+        </p:txBody>
+      </p:sp>
+      <p:sp>
+        <p:nvSpPr>
+          <p:cNvPr id="3" name="TextBox 2"/>
+          <p:cNvSpPr txBox="1"/>
+          <p:nvPr/>
+        </p:nvSpPr>
+        <p:spPr>
+          <a:xfrm>
+            <a:off x="0" y="5170185"/>
+            <a:ext cx="12192000" cy="830997"/>
+          </a:xfrm>
+          <a:prstGeom prst="rect">
+            <a:avLst/>
+          </a:prstGeom>
+          <a:noFill/>
+        </p:spPr>
+        <p:txBody>
+          <a:bodyPr wrap="square" rtlCol="0">
+            <a:spAutoFit/>
+          </a:bodyPr>
+          <a:lstStyle/>
+          <a:p>
+            <a:pPr algn="ctr"/>
+            <a:r>
+              <a:rPr lang="en-US" altLang="zh-TW" sz="4800" b="1" dirty="0">
+                <a:solidFill>
+                  <a:srgbClr val="660033"/>
+                </a:solidFill>
+                <a:effectLst/>
+                <a:latin typeface="Microsoft JhengHei" panose="020B0604030504040204" pitchFamily="34" charset="-120"/>
+                <a:ea typeface="Microsoft JhengHei" panose="020B0604030504040204" pitchFamily="34" charset="-120"/>
+              </a:rPr>
+              <a:t>( </a:t>
+            </a:r>
+            <a:r>
+              <a:rPr lang="zh-CN" altLang="en-US" sz="4800" b="1" dirty="0" smtClean="0">
+                <a:solidFill>
+                  <a:srgbClr val="660033"/>
+                </a:solidFill>
+                <a:effectLst/>
+                <a:latin typeface="Microsoft JhengHei" panose="020B0604030504040204" pitchFamily="34" charset="-120"/>
+                <a:ea typeface="Microsoft JhengHei" panose="020B0604030504040204" pitchFamily="34" charset="-120"/>
+              </a:rPr>
+              <a:t>副 </a:t>
+            </a:r>
+            <a:r>
+              <a:rPr lang="en-US" altLang="zh-TW" sz="4800" b="1" dirty="0">
+                <a:solidFill>
+                  <a:srgbClr val="660033"/>
+                </a:solidFill>
+                <a:effectLst/>
+                <a:latin typeface="Microsoft JhengHei" panose="020B0604030504040204" pitchFamily="34" charset="-120"/>
+                <a:ea typeface="Microsoft JhengHei" panose="020B0604030504040204" pitchFamily="34" charset="-120"/>
+              </a:rPr>
+              <a:t>)</a:t>
+            </a:r>
+            <a:endParaRPr lang="vi-VN" sz="4800" b="1" dirty="0">
+              <a:solidFill>
+                <a:srgbClr val="660033"/>
+              </a:solidFill>
+              <a:effectLst/>
+              <a:latin typeface="Microsoft JhengHei" panose="020B0604030504040204" pitchFamily="34" charset="-120"/>
+              <a:ea typeface="Microsoft JhengHei" panose="020B0604030504040204" pitchFamily="34" charset="-120"/>
             </a:endParaRPr>
           </a:p>
         </p:txBody>
@@ -4098,17 +4293,7 @@
                 <a:latin typeface="微軟正黑體" pitchFamily="34" charset="-120"/>
                 <a:ea typeface="微軟正黑體" pitchFamily="34" charset="-120"/>
               </a:rPr>
-              <a:t>帶</a:t>
-            </a:r>
-            <a:r>
-              <a:rPr lang="zh-TW" altLang="en-US" sz="6400" b="1" dirty="0">
-                <a:solidFill>
-                  <a:srgbClr val="660033"/>
-                </a:solidFill>
-                <a:latin typeface="微軟正黑體" pitchFamily="34" charset="-120"/>
-                <a:ea typeface="微軟正黑體" pitchFamily="34" charset="-120"/>
-              </a:rPr>
-              <a:t>領著我得勝</a:t>
+              <a:t>帶領著我得勝</a:t>
             </a:r>
             <a:endParaRPr lang="en-US" altLang="zh-TW" sz="6400" b="1" dirty="0">
               <a:solidFill>
@@ -4116,6 +4301,73 @@
               </a:solidFill>
               <a:latin typeface="微軟正黑體" pitchFamily="34" charset="-120"/>
               <a:ea typeface="微軟正黑體" pitchFamily="34" charset="-120"/>
+            </a:endParaRPr>
+          </a:p>
+        </p:txBody>
+      </p:sp>
+      <p:sp>
+        <p:nvSpPr>
+          <p:cNvPr id="3" name="TextBox 2"/>
+          <p:cNvSpPr txBox="1"/>
+          <p:nvPr/>
+        </p:nvSpPr>
+        <p:spPr>
+          <a:xfrm>
+            <a:off x="0" y="5170185"/>
+            <a:ext cx="12192000" cy="830997"/>
+          </a:xfrm>
+          <a:prstGeom prst="rect">
+            <a:avLst/>
+          </a:prstGeom>
+          <a:noFill/>
+        </p:spPr>
+        <p:txBody>
+          <a:bodyPr wrap="square" rtlCol="0">
+            <a:spAutoFit/>
+          </a:bodyPr>
+          <a:lstStyle/>
+          <a:p>
+            <a:pPr algn="ctr"/>
+            <a:r>
+              <a:rPr lang="en-US" altLang="zh-TW" sz="4800" b="1" dirty="0">
+                <a:solidFill>
+                  <a:srgbClr val="660033"/>
+                </a:solidFill>
+                <a:effectLst/>
+                <a:latin typeface="Microsoft JhengHei" panose="020B0604030504040204" pitchFamily="34" charset="-120"/>
+                <a:ea typeface="Microsoft JhengHei" panose="020B0604030504040204" pitchFamily="34" charset="-120"/>
+              </a:rPr>
+              <a:t>( </a:t>
+            </a:r>
+            <a:r>
+              <a:rPr lang="zh-CN" altLang="en-US" sz="4800" b="1" dirty="0" smtClean="0">
+                <a:solidFill>
+                  <a:srgbClr val="660033"/>
+                </a:solidFill>
+                <a:effectLst/>
+                <a:latin typeface="Microsoft JhengHei" panose="020B0604030504040204" pitchFamily="34" charset="-120"/>
+                <a:ea typeface="Microsoft JhengHei" panose="020B0604030504040204" pitchFamily="34" charset="-120"/>
+              </a:rPr>
+              <a:t>副 </a:t>
+            </a:r>
+            <a:r>
+              <a:rPr lang="en-US" altLang="zh-TW" sz="4800" b="1" dirty="0">
+                <a:solidFill>
+                  <a:srgbClr val="660033"/>
+                </a:solidFill>
+                <a:effectLst/>
+                <a:latin typeface="Microsoft JhengHei" panose="020B0604030504040204" pitchFamily="34" charset="-120"/>
+                <a:ea typeface="Microsoft JhengHei" panose="020B0604030504040204" pitchFamily="34" charset="-120"/>
+              </a:rPr>
+              <a:t>)</a:t>
+            </a:r>
+            <a:endParaRPr lang="vi-VN" sz="4800" b="1" dirty="0">
+              <a:solidFill>
+                <a:srgbClr val="660033"/>
+              </a:solidFill>
+              <a:effectLst/>
+              <a:latin typeface="Microsoft JhengHei" panose="020B0604030504040204" pitchFamily="34" charset="-120"/>
+              <a:ea typeface="Microsoft JhengHei" panose="020B0604030504040204" pitchFamily="34" charset="-120"/>
             </a:endParaRPr>
           </a:p>
         </p:txBody>
